--- a/_BaoCao/quocdunginfo/QLTS - Usecases ver 2.pptx
+++ b/_BaoCao/quocdunginfo/QLTS - Usecases ver 2.pptx
@@ -243,7 +243,7 @@
           <a:p>
             <a:fld id="{F8FF756E-1B4C-4515-BC5D-6E1D70FF4976}" type="datetimeFigureOut">
               <a:rPr lang="en-US" smtClean="0"/>
-              <a:t>10/27/2014</a:t>
+              <a:t>10/28/2014</a:t>
             </a:fld>
             <a:endParaRPr lang="en-US"/>
           </a:p>
@@ -413,7 +413,7 @@
           <a:p>
             <a:fld id="{F8FF756E-1B4C-4515-BC5D-6E1D70FF4976}" type="datetimeFigureOut">
               <a:rPr lang="en-US" smtClean="0"/>
-              <a:t>10/27/2014</a:t>
+              <a:t>10/28/2014</a:t>
             </a:fld>
             <a:endParaRPr lang="en-US"/>
           </a:p>
@@ -593,7 +593,7 @@
           <a:p>
             <a:fld id="{F8FF756E-1B4C-4515-BC5D-6E1D70FF4976}" type="datetimeFigureOut">
               <a:rPr lang="en-US" smtClean="0"/>
-              <a:t>10/27/2014</a:t>
+              <a:t>10/28/2014</a:t>
             </a:fld>
             <a:endParaRPr lang="en-US"/>
           </a:p>
@@ -763,7 +763,7 @@
           <a:p>
             <a:fld id="{F8FF756E-1B4C-4515-BC5D-6E1D70FF4976}" type="datetimeFigureOut">
               <a:rPr lang="en-US" smtClean="0"/>
-              <a:t>10/27/2014</a:t>
+              <a:t>10/28/2014</a:t>
             </a:fld>
             <a:endParaRPr lang="en-US"/>
           </a:p>
@@ -1009,7 +1009,7 @@
           <a:p>
             <a:fld id="{F8FF756E-1B4C-4515-BC5D-6E1D70FF4976}" type="datetimeFigureOut">
               <a:rPr lang="en-US" smtClean="0"/>
-              <a:t>10/27/2014</a:t>
+              <a:t>10/28/2014</a:t>
             </a:fld>
             <a:endParaRPr lang="en-US"/>
           </a:p>
@@ -1241,7 +1241,7 @@
           <a:p>
             <a:fld id="{F8FF756E-1B4C-4515-BC5D-6E1D70FF4976}" type="datetimeFigureOut">
               <a:rPr lang="en-US" smtClean="0"/>
-              <a:t>10/27/2014</a:t>
+              <a:t>10/28/2014</a:t>
             </a:fld>
             <a:endParaRPr lang="en-US"/>
           </a:p>
@@ -1608,7 +1608,7 @@
           <a:p>
             <a:fld id="{F8FF756E-1B4C-4515-BC5D-6E1D70FF4976}" type="datetimeFigureOut">
               <a:rPr lang="en-US" smtClean="0"/>
-              <a:t>10/27/2014</a:t>
+              <a:t>10/28/2014</a:t>
             </a:fld>
             <a:endParaRPr lang="en-US"/>
           </a:p>
@@ -1726,7 +1726,7 @@
           <a:p>
             <a:fld id="{F8FF756E-1B4C-4515-BC5D-6E1D70FF4976}" type="datetimeFigureOut">
               <a:rPr lang="en-US" smtClean="0"/>
-              <a:t>10/27/2014</a:t>
+              <a:t>10/28/2014</a:t>
             </a:fld>
             <a:endParaRPr lang="en-US"/>
           </a:p>
@@ -1821,7 +1821,7 @@
           <a:p>
             <a:fld id="{F8FF756E-1B4C-4515-BC5D-6E1D70FF4976}" type="datetimeFigureOut">
               <a:rPr lang="en-US" smtClean="0"/>
-              <a:t>10/27/2014</a:t>
+              <a:t>10/28/2014</a:t>
             </a:fld>
             <a:endParaRPr lang="en-US"/>
           </a:p>
@@ -2098,7 +2098,7 @@
           <a:p>
             <a:fld id="{F8FF756E-1B4C-4515-BC5D-6E1D70FF4976}" type="datetimeFigureOut">
               <a:rPr lang="en-US" smtClean="0"/>
-              <a:t>10/27/2014</a:t>
+              <a:t>10/28/2014</a:t>
             </a:fld>
             <a:endParaRPr lang="en-US"/>
           </a:p>
@@ -2351,7 +2351,7 @@
           <a:p>
             <a:fld id="{F8FF756E-1B4C-4515-BC5D-6E1D70FF4976}" type="datetimeFigureOut">
               <a:rPr lang="en-US" smtClean="0"/>
-              <a:t>10/27/2014</a:t>
+              <a:t>10/28/2014</a:t>
             </a:fld>
             <a:endParaRPr lang="en-US"/>
           </a:p>
@@ -2564,7 +2564,7 @@
           <a:p>
             <a:fld id="{F8FF756E-1B4C-4515-BC5D-6E1D70FF4976}" type="datetimeFigureOut">
               <a:rPr lang="en-US" smtClean="0"/>
-              <a:t>10/27/2014</a:t>
+              <a:t>10/28/2014</a:t>
             </a:fld>
             <a:endParaRPr lang="en-US"/>
           </a:p>
@@ -2977,8 +2977,8 @@
         </p:nvSpPr>
         <p:spPr>
           <a:xfrm>
-            <a:off x="5352727" y="3812048"/>
-            <a:ext cx="1448899" cy="424841"/>
+            <a:off x="3771805" y="3784752"/>
+            <a:ext cx="4334964" cy="424841"/>
           </a:xfrm>
           <a:prstGeom prst="ellipse">
             <a:avLst/>
@@ -3012,23 +3012,23 @@
           <a:p>
             <a:pPr algn="ctr"/>
             <a:r>
-              <a:rPr lang="en-US" sz="1300" dirty="0" smtClean="0">
+              <a:rPr lang="en-US" b="1" dirty="0" smtClean="0">
                 <a:solidFill>
                   <a:schemeClr val="tx1"/>
                 </a:solidFill>
-                <a:latin typeface="Times New Roman" panose="02020603050405020304" pitchFamily="18" charset="0"/>
+                <a:latin typeface="Tahoma" panose="020B0604030504040204" pitchFamily="34" charset="0"/>
                 <a:ea typeface="Tahoma" panose="020B0604030504040204" pitchFamily="34" charset="0"/>
-                <a:cs typeface="Times New Roman" panose="02020603050405020304" pitchFamily="18" charset="0"/>
+                <a:cs typeface="Tahoma" panose="020B0604030504040204" pitchFamily="34" charset="0"/>
               </a:rPr>
               <a:t>Phân quyền</a:t>
             </a:r>
-            <a:endParaRPr lang="en-US" sz="1300" dirty="0">
+            <a:endParaRPr lang="en-US" b="1" dirty="0">
               <a:solidFill>
                 <a:schemeClr val="tx1"/>
               </a:solidFill>
-              <a:latin typeface="Times New Roman" panose="02020603050405020304" pitchFamily="18" charset="0"/>
+              <a:latin typeface="Tahoma" panose="020B0604030504040204" pitchFamily="34" charset="0"/>
               <a:ea typeface="Tahoma" panose="020B0604030504040204" pitchFamily="34" charset="0"/>
-              <a:cs typeface="Times New Roman" panose="02020603050405020304" pitchFamily="18" charset="0"/>
+              <a:cs typeface="Tahoma" panose="020B0604030504040204" pitchFamily="34" charset="0"/>
             </a:endParaRPr>
           </a:p>
         </p:txBody>
@@ -3041,8 +3041,8 @@
         </p:nvSpPr>
         <p:spPr>
           <a:xfrm>
-            <a:off x="4893658" y="4342967"/>
-            <a:ext cx="2428324" cy="548850"/>
+            <a:off x="3771805" y="4274726"/>
+            <a:ext cx="4334964" cy="631581"/>
           </a:xfrm>
           <a:prstGeom prst="ellipse">
             <a:avLst/>
@@ -3076,13 +3076,13 @@
           <a:p>
             <a:pPr algn="ctr"/>
             <a:r>
-              <a:rPr lang="en-US" sz="1300" dirty="0" smtClean="0">
+              <a:rPr lang="en-US" b="1" dirty="0" smtClean="0">
                 <a:solidFill>
                   <a:schemeClr val="tx1"/>
                 </a:solidFill>
-                <a:latin typeface="Times New Roman" panose="02020603050405020304" pitchFamily="18" charset="0"/>
+                <a:latin typeface="Tahoma" panose="020B0604030504040204" pitchFamily="34" charset="0"/>
                 <a:ea typeface="Tahoma" panose="020B0604030504040204" pitchFamily="34" charset="0"/>
-                <a:cs typeface="Times New Roman" panose="02020603050405020304" pitchFamily="18" charset="0"/>
+                <a:cs typeface="Tahoma" panose="020B0604030504040204" pitchFamily="34" charset="0"/>
               </a:rPr>
               <a:t>Xem thông tin tài sản </a:t>
             </a:r>
@@ -3090,23 +3090,23 @@
           <a:p>
             <a:pPr algn="ctr"/>
             <a:r>
-              <a:rPr lang="en-US" sz="1300" dirty="0" smtClean="0">
+              <a:rPr lang="en-US" b="1" dirty="0" smtClean="0">
                 <a:solidFill>
                   <a:schemeClr val="tx1"/>
                 </a:solidFill>
-                <a:latin typeface="Times New Roman" panose="02020603050405020304" pitchFamily="18" charset="0"/>
+                <a:latin typeface="Tahoma" panose="020B0604030504040204" pitchFamily="34" charset="0"/>
                 <a:ea typeface="Tahoma" panose="020B0604030504040204" pitchFamily="34" charset="0"/>
-                <a:cs typeface="Times New Roman" panose="02020603050405020304" pitchFamily="18" charset="0"/>
+                <a:cs typeface="Tahoma" panose="020B0604030504040204" pitchFamily="34" charset="0"/>
               </a:rPr>
               <a:t>theo đơn vị trên Web</a:t>
             </a:r>
-            <a:endParaRPr lang="en-US" sz="1300" dirty="0">
+            <a:endParaRPr lang="en-US" b="1" dirty="0">
               <a:solidFill>
                 <a:schemeClr val="tx1"/>
               </a:solidFill>
-              <a:latin typeface="Times New Roman" panose="02020603050405020304" pitchFamily="18" charset="0"/>
+              <a:latin typeface="Tahoma" panose="020B0604030504040204" pitchFamily="34" charset="0"/>
               <a:ea typeface="Tahoma" panose="020B0604030504040204" pitchFamily="34" charset="0"/>
-              <a:cs typeface="Times New Roman" panose="02020603050405020304" pitchFamily="18" charset="0"/>
+              <a:cs typeface="Tahoma" panose="020B0604030504040204" pitchFamily="34" charset="0"/>
             </a:endParaRPr>
           </a:p>
         </p:txBody>
@@ -3119,8 +3119,8 @@
         </p:nvSpPr>
         <p:spPr>
           <a:xfrm>
-            <a:off x="5167281" y="5544603"/>
-            <a:ext cx="1723765" cy="483255"/>
+            <a:off x="3771805" y="5517307"/>
+            <a:ext cx="4334964" cy="483255"/>
           </a:xfrm>
           <a:prstGeom prst="ellipse">
             <a:avLst/>
@@ -3154,37 +3154,45 @@
           <a:p>
             <a:pPr algn="ctr"/>
             <a:r>
-              <a:rPr lang="en-US" sz="1300" dirty="0" smtClean="0">
+              <a:rPr lang="en-US" b="1" dirty="0" smtClean="0">
                 <a:solidFill>
                   <a:schemeClr val="tx1"/>
                 </a:solidFill>
-                <a:latin typeface="Times New Roman" panose="02020603050405020304" pitchFamily="18" charset="0"/>
+                <a:latin typeface="Tahoma" panose="020B0604030504040204" pitchFamily="34" charset="0"/>
                 <a:ea typeface="Tahoma" panose="020B0604030504040204" pitchFamily="34" charset="0"/>
-                <a:cs typeface="Times New Roman" panose="02020603050405020304" pitchFamily="18" charset="0"/>
+                <a:cs typeface="Tahoma" panose="020B0604030504040204" pitchFamily="34" charset="0"/>
               </a:rPr>
-              <a:t>Thống kê, </a:t>
-            </a:r>
-          </a:p>
-          <a:p>
-            <a:pPr algn="ctr"/>
-            <a:r>
-              <a:rPr lang="en-US" sz="1300" dirty="0" smtClean="0">
+              <a:t>Thống </a:t>
+            </a:r>
+            <a:r>
+              <a:rPr lang="en-US" b="1" dirty="0" smtClean="0">
                 <a:solidFill>
                   <a:schemeClr val="tx1"/>
                 </a:solidFill>
-                <a:latin typeface="Times New Roman" panose="02020603050405020304" pitchFamily="18" charset="0"/>
+                <a:latin typeface="Tahoma" panose="020B0604030504040204" pitchFamily="34" charset="0"/>
                 <a:ea typeface="Tahoma" panose="020B0604030504040204" pitchFamily="34" charset="0"/>
-                <a:cs typeface="Times New Roman" panose="02020603050405020304" pitchFamily="18" charset="0"/>
+                <a:cs typeface="Tahoma" panose="020B0604030504040204" pitchFamily="34" charset="0"/>
               </a:rPr>
-              <a:t>xuất báo cáo</a:t>
-            </a:r>
-            <a:endParaRPr lang="en-US" sz="1300" dirty="0">
+              <a:t>kê, xuất </a:t>
+            </a:r>
+            <a:r>
+              <a:rPr lang="en-US" b="1" dirty="0" smtClean="0">
+                <a:solidFill>
+                  <a:schemeClr val="tx1"/>
+                </a:solidFill>
+                <a:latin typeface="Tahoma" panose="020B0604030504040204" pitchFamily="34" charset="0"/>
+                <a:ea typeface="Tahoma" panose="020B0604030504040204" pitchFamily="34" charset="0"/>
+                <a:cs typeface="Tahoma" panose="020B0604030504040204" pitchFamily="34" charset="0"/>
+              </a:rPr>
+              <a:t>báo cáo</a:t>
+            </a:r>
+            <a:endParaRPr lang="en-US" b="1" dirty="0">
               <a:solidFill>
                 <a:schemeClr val="tx1"/>
               </a:solidFill>
-              <a:latin typeface="Times New Roman" panose="02020603050405020304" pitchFamily="18" charset="0"/>
+              <a:latin typeface="Tahoma" panose="020B0604030504040204" pitchFamily="34" charset="0"/>
               <a:ea typeface="Tahoma" panose="020B0604030504040204" pitchFamily="34" charset="0"/>
-              <a:cs typeface="Times New Roman" panose="02020603050405020304" pitchFamily="18" charset="0"/>
+              <a:cs typeface="Tahoma" panose="020B0604030504040204" pitchFamily="34" charset="0"/>
             </a:endParaRPr>
           </a:p>
         </p:txBody>
@@ -3197,8 +3205,8 @@
         </p:nvSpPr>
         <p:spPr>
           <a:xfrm>
-            <a:off x="5126454" y="4997895"/>
-            <a:ext cx="1805421" cy="455121"/>
+            <a:off x="3771805" y="4970599"/>
+            <a:ext cx="4334964" cy="455121"/>
           </a:xfrm>
           <a:prstGeom prst="ellipse">
             <a:avLst/>
@@ -3232,37 +3240,45 @@
           <a:p>
             <a:pPr algn="ctr"/>
             <a:r>
-              <a:rPr lang="en-US" sz="1300" dirty="0" smtClean="0">
+              <a:rPr lang="en-US" b="1" dirty="0" smtClean="0">
                 <a:solidFill>
                   <a:schemeClr val="tx1"/>
                 </a:solidFill>
-                <a:latin typeface="Times New Roman" panose="02020603050405020304" pitchFamily="18" charset="0"/>
+                <a:latin typeface="Tahoma" panose="020B0604030504040204" pitchFamily="34" charset="0"/>
                 <a:ea typeface="Tahoma" panose="020B0604030504040204" pitchFamily="34" charset="0"/>
-                <a:cs typeface="Times New Roman" panose="02020603050405020304" pitchFamily="18" charset="0"/>
+                <a:cs typeface="Tahoma" panose="020B0604030504040204" pitchFamily="34" charset="0"/>
               </a:rPr>
               <a:t>Cấu hình </a:t>
             </a:r>
-          </a:p>
-          <a:p>
-            <a:pPr algn="ctr"/>
-            <a:r>
-              <a:rPr lang="en-US" sz="1300" dirty="0" smtClean="0">
+            <a:r>
+              <a:rPr lang="en-US" b="1" dirty="0" smtClean="0">
                 <a:solidFill>
                   <a:schemeClr val="tx1"/>
                 </a:solidFill>
-                <a:latin typeface="Times New Roman" panose="02020603050405020304" pitchFamily="18" charset="0"/>
+                <a:latin typeface="Tahoma" panose="020B0604030504040204" pitchFamily="34" charset="0"/>
                 <a:ea typeface="Tahoma" panose="020B0604030504040204" pitchFamily="34" charset="0"/>
-                <a:cs typeface="Times New Roman" panose="02020603050405020304" pitchFamily="18" charset="0"/>
+                <a:cs typeface="Tahoma" panose="020B0604030504040204" pitchFamily="34" charset="0"/>
               </a:rPr>
-              <a:t>hệ thống</a:t>
-            </a:r>
-            <a:endParaRPr lang="en-US" sz="1300" dirty="0">
+              <a:t>hệ </a:t>
+            </a:r>
+            <a:r>
+              <a:rPr lang="en-US" b="1" dirty="0" smtClean="0">
+                <a:solidFill>
+                  <a:schemeClr val="tx1"/>
+                </a:solidFill>
+                <a:latin typeface="Tahoma" panose="020B0604030504040204" pitchFamily="34" charset="0"/>
+                <a:ea typeface="Tahoma" panose="020B0604030504040204" pitchFamily="34" charset="0"/>
+                <a:cs typeface="Tahoma" panose="020B0604030504040204" pitchFamily="34" charset="0"/>
+              </a:rPr>
+              <a:t>thống</a:t>
+            </a:r>
+            <a:endParaRPr lang="en-US" b="1" dirty="0">
               <a:solidFill>
                 <a:schemeClr val="tx1"/>
               </a:solidFill>
-              <a:latin typeface="Times New Roman" panose="02020603050405020304" pitchFamily="18" charset="0"/>
+              <a:latin typeface="Tahoma" panose="020B0604030504040204" pitchFamily="34" charset="0"/>
               <a:ea typeface="Tahoma" panose="020B0604030504040204" pitchFamily="34" charset="0"/>
-              <a:cs typeface="Times New Roman" panose="02020603050405020304" pitchFamily="18" charset="0"/>
+              <a:cs typeface="Tahoma" panose="020B0604030504040204" pitchFamily="34" charset="0"/>
             </a:endParaRPr>
           </a:p>
         </p:txBody>
@@ -3275,8 +3291,8 @@
         </p:nvSpPr>
         <p:spPr>
           <a:xfrm>
-            <a:off x="5369176" y="1820878"/>
-            <a:ext cx="1282990" cy="480381"/>
+            <a:off x="3771805" y="1779934"/>
+            <a:ext cx="4334964" cy="480381"/>
           </a:xfrm>
           <a:prstGeom prst="ellipse">
             <a:avLst/>
@@ -3310,23 +3326,23 @@
           <a:p>
             <a:pPr algn="ctr"/>
             <a:r>
-              <a:rPr lang="en-US" sz="1300" dirty="0" smtClean="0">
+              <a:rPr lang="en-US" b="1" dirty="0" smtClean="0">
                 <a:solidFill>
                   <a:schemeClr val="tx1"/>
                 </a:solidFill>
-                <a:latin typeface="Times New Roman" panose="02020603050405020304" pitchFamily="18" charset="0"/>
+                <a:latin typeface="Tahoma" panose="020B0604030504040204" pitchFamily="34" charset="0"/>
                 <a:ea typeface="Tahoma" panose="020B0604030504040204" pitchFamily="34" charset="0"/>
-                <a:cs typeface="Times New Roman" panose="02020603050405020304" pitchFamily="18" charset="0"/>
+                <a:cs typeface="Tahoma" panose="020B0604030504040204" pitchFamily="34" charset="0"/>
               </a:rPr>
               <a:t>Quản lý tài sản</a:t>
             </a:r>
-            <a:endParaRPr lang="en-US" sz="1300" dirty="0">
+            <a:endParaRPr lang="en-US" b="1" dirty="0">
               <a:solidFill>
                 <a:schemeClr val="tx1"/>
               </a:solidFill>
-              <a:latin typeface="Times New Roman" panose="02020603050405020304" pitchFamily="18" charset="0"/>
+              <a:latin typeface="Tahoma" panose="020B0604030504040204" pitchFamily="34" charset="0"/>
               <a:ea typeface="Tahoma" panose="020B0604030504040204" pitchFamily="34" charset="0"/>
-              <a:cs typeface="Times New Roman" panose="02020603050405020304" pitchFamily="18" charset="0"/>
+              <a:cs typeface="Tahoma" panose="020B0604030504040204" pitchFamily="34" charset="0"/>
             </a:endParaRPr>
           </a:p>
         </p:txBody>
@@ -3339,8 +3355,8 @@
         </p:nvSpPr>
         <p:spPr>
           <a:xfrm>
-            <a:off x="5041846" y="579247"/>
-            <a:ext cx="2056291" cy="530783"/>
+            <a:off x="3771805" y="464167"/>
+            <a:ext cx="4334965" cy="700455"/>
           </a:xfrm>
           <a:prstGeom prst="ellipse">
             <a:avLst/>
@@ -3374,23 +3390,34 @@
           <a:p>
             <a:pPr algn="ctr"/>
             <a:r>
-              <a:rPr lang="en-US" sz="1300" dirty="0" smtClean="0">
+              <a:rPr lang="en-US" b="1" dirty="0" smtClean="0">
                 <a:solidFill>
                   <a:schemeClr val="tx1"/>
                 </a:solidFill>
-                <a:latin typeface="Times New Roman" panose="02020603050405020304" pitchFamily="18" charset="0"/>
+                <a:latin typeface="Tahoma" panose="020B0604030504040204" pitchFamily="34" charset="0"/>
                 <a:ea typeface="Tahoma" panose="020B0604030504040204" pitchFamily="34" charset="0"/>
-                <a:cs typeface="Times New Roman" panose="02020603050405020304" pitchFamily="18" charset="0"/>
+                <a:cs typeface="Tahoma" panose="020B0604030504040204" pitchFamily="34" charset="0"/>
               </a:rPr>
-              <a:t>Quản lý cơ sở, dãy, tầng, phòng </a:t>
-            </a:r>
-            <a:endParaRPr lang="en-US" sz="1300" dirty="0">
+              <a:t>Quản lý cơ sở, dãy, </a:t>
+            </a:r>
+            <a:r>
+              <a:rPr lang="en-US" b="1" dirty="0" smtClean="0">
+                <a:solidFill>
+                  <a:schemeClr val="tx1"/>
+                </a:solidFill>
+                <a:latin typeface="Tahoma" panose="020B0604030504040204" pitchFamily="34" charset="0"/>
+                <a:ea typeface="Tahoma" panose="020B0604030504040204" pitchFamily="34" charset="0"/>
+                <a:cs typeface="Tahoma" panose="020B0604030504040204" pitchFamily="34" charset="0"/>
+              </a:rPr>
+              <a:t>tầng, phòng </a:t>
+            </a:r>
+            <a:endParaRPr lang="en-US" b="1" dirty="0">
               <a:solidFill>
                 <a:schemeClr val="tx1"/>
               </a:solidFill>
-              <a:latin typeface="Times New Roman" panose="02020603050405020304" pitchFamily="18" charset="0"/>
+              <a:latin typeface="Tahoma" panose="020B0604030504040204" pitchFamily="34" charset="0"/>
               <a:ea typeface="Tahoma" panose="020B0604030504040204" pitchFamily="34" charset="0"/>
-              <a:cs typeface="Times New Roman" panose="02020603050405020304" pitchFamily="18" charset="0"/>
+              <a:cs typeface="Tahoma" panose="020B0604030504040204" pitchFamily="34" charset="0"/>
             </a:endParaRPr>
           </a:p>
         </p:txBody>
@@ -3403,8 +3430,8 @@
         </p:nvSpPr>
         <p:spPr>
           <a:xfrm>
-            <a:off x="5239590" y="2394707"/>
-            <a:ext cx="1579148" cy="606291"/>
+            <a:off x="3771805" y="2326468"/>
+            <a:ext cx="4334964" cy="507496"/>
           </a:xfrm>
           <a:prstGeom prst="ellipse">
             <a:avLst/>
@@ -3438,23 +3465,23 @@
           <a:p>
             <a:pPr algn="ctr"/>
             <a:r>
-              <a:rPr lang="en-US" sz="1300" dirty="0" smtClean="0">
+              <a:rPr lang="en-US" b="1" dirty="0" smtClean="0">
                 <a:solidFill>
                   <a:schemeClr val="tx1"/>
                 </a:solidFill>
-                <a:latin typeface="Times New Roman" panose="02020603050405020304" pitchFamily="18" charset="0"/>
+                <a:latin typeface="Tahoma" panose="020B0604030504040204" pitchFamily="34" charset="0"/>
                 <a:ea typeface="Tahoma" panose="020B0604030504040204" pitchFamily="34" charset="0"/>
-                <a:cs typeface="Times New Roman" panose="02020603050405020304" pitchFamily="18" charset="0"/>
+                <a:cs typeface="Tahoma" panose="020B0604030504040204" pitchFamily="34" charset="0"/>
               </a:rPr>
               <a:t>Quản lý chứng từ</a:t>
             </a:r>
-            <a:endParaRPr lang="en-US" sz="1300" dirty="0">
+            <a:endParaRPr lang="en-US" b="1" dirty="0">
               <a:solidFill>
                 <a:schemeClr val="tx1"/>
               </a:solidFill>
-              <a:latin typeface="Times New Roman" panose="02020603050405020304" pitchFamily="18" charset="0"/>
+              <a:latin typeface="Tahoma" panose="020B0604030504040204" pitchFamily="34" charset="0"/>
               <a:ea typeface="Tahoma" panose="020B0604030504040204" pitchFamily="34" charset="0"/>
-              <a:cs typeface="Times New Roman" panose="02020603050405020304" pitchFamily="18" charset="0"/>
+              <a:cs typeface="Tahoma" panose="020B0604030504040204" pitchFamily="34" charset="0"/>
             </a:endParaRPr>
           </a:p>
         </p:txBody>
@@ -3467,10 +3494,10 @@
         </p:nvGrpSpPr>
         <p:grpSpPr>
           <a:xfrm>
-            <a:off x="1653401" y="3000998"/>
-            <a:ext cx="1064715" cy="953772"/>
-            <a:chOff x="1235222" y="3000998"/>
-            <a:chExt cx="1064715" cy="953772"/>
+            <a:off x="1789885" y="3000998"/>
+            <a:ext cx="1194558" cy="1307715"/>
+            <a:chOff x="1617366" y="3000998"/>
+            <a:chExt cx="1194558" cy="1307715"/>
           </a:xfrm>
         </p:grpSpPr>
         <p:pic>
@@ -3496,7 +3523,7 @@
           </p:blipFill>
           <p:spPr bwMode="auto">
             <a:xfrm>
-              <a:off x="1521627" y="3000998"/>
+              <a:off x="1944710" y="3000998"/>
               <a:ext cx="530390" cy="842385"/>
             </a:xfrm>
             <a:prstGeom prst="rect">
@@ -3522,8 +3549,8 @@
           </p:nvSpPr>
           <p:spPr>
             <a:xfrm>
-              <a:off x="1235222" y="3662382"/>
-              <a:ext cx="1064715" cy="292388"/>
+              <a:off x="1617366" y="3662382"/>
+              <a:ext cx="1194558" cy="646331"/>
             </a:xfrm>
             <a:prstGeom prst="rect">
               <a:avLst/>
@@ -3538,18 +3565,35 @@
             </a:bodyPr>
             <a:lstStyle/>
             <a:p>
+              <a:pPr algn="ctr"/>
               <a:r>
-                <a:rPr lang="en-US" sz="1300" dirty="0" smtClean="0">
-                  <a:latin typeface="Times New Roman" panose="02020603050405020304" pitchFamily="18" charset="0"/>
+                <a:rPr lang="en-US" b="1" dirty="0" smtClean="0">
+                  <a:latin typeface="Tahoma" panose="020B0604030504040204" pitchFamily="34" charset="0"/>
                   <a:ea typeface="Tahoma" panose="020B0604030504040204" pitchFamily="34" charset="0"/>
-                  <a:cs typeface="Times New Roman" panose="02020603050405020304" pitchFamily="18" charset="0"/>
+                  <a:cs typeface="Tahoma" panose="020B0604030504040204" pitchFamily="34" charset="0"/>
                 </a:rPr>
-                <a:t>Quản trị viên</a:t>
+                <a:t>Quản trị </a:t>
               </a:r>
-              <a:endParaRPr lang="en-US" sz="1300" dirty="0">
-                <a:latin typeface="Times New Roman" panose="02020603050405020304" pitchFamily="18" charset="0"/>
+              <a:endParaRPr lang="en-US" b="1" dirty="0" smtClean="0">
+                <a:latin typeface="Tahoma" panose="020B0604030504040204" pitchFamily="34" charset="0"/>
                 <a:ea typeface="Tahoma" panose="020B0604030504040204" pitchFamily="34" charset="0"/>
-                <a:cs typeface="Times New Roman" panose="02020603050405020304" pitchFamily="18" charset="0"/>
+                <a:cs typeface="Tahoma" panose="020B0604030504040204" pitchFamily="34" charset="0"/>
+              </a:endParaRPr>
+            </a:p>
+            <a:p>
+              <a:pPr algn="ctr"/>
+              <a:r>
+                <a:rPr lang="en-US" b="1" dirty="0" smtClean="0">
+                  <a:latin typeface="Tahoma" panose="020B0604030504040204" pitchFamily="34" charset="0"/>
+                  <a:ea typeface="Tahoma" panose="020B0604030504040204" pitchFamily="34" charset="0"/>
+                  <a:cs typeface="Tahoma" panose="020B0604030504040204" pitchFamily="34" charset="0"/>
+                </a:rPr>
+                <a:t>viên</a:t>
+              </a:r>
+              <a:endParaRPr lang="en-US" b="1" dirty="0">
+                <a:latin typeface="Tahoma" panose="020B0604030504040204" pitchFamily="34" charset="0"/>
+                <a:ea typeface="Tahoma" panose="020B0604030504040204" pitchFamily="34" charset="0"/>
+                <a:cs typeface="Tahoma" panose="020B0604030504040204" pitchFamily="34" charset="0"/>
               </a:endParaRPr>
             </a:p>
           </p:txBody>
@@ -3563,10 +3607,10 @@
         </p:nvGrpSpPr>
         <p:grpSpPr>
           <a:xfrm>
-            <a:off x="8724294" y="4191359"/>
-            <a:ext cx="1055097" cy="947315"/>
-            <a:chOff x="3193027" y="3006357"/>
-            <a:chExt cx="1055097" cy="947315"/>
+            <a:off x="8232966" y="4177711"/>
+            <a:ext cx="1617751" cy="1010611"/>
+            <a:chOff x="2988307" y="3020005"/>
+            <a:chExt cx="1617751" cy="1010611"/>
           </a:xfrm>
         </p:grpSpPr>
         <p:pic>
@@ -3592,7 +3636,7 @@
           </p:blipFill>
           <p:spPr bwMode="auto">
             <a:xfrm>
-              <a:off x="3455380" y="3006357"/>
+              <a:off x="3537272" y="3020005"/>
               <a:ext cx="530390" cy="842385"/>
             </a:xfrm>
             <a:prstGeom prst="rect">
@@ -3618,8 +3662,8 @@
           </p:nvSpPr>
           <p:spPr>
             <a:xfrm>
-              <a:off x="3193027" y="3661284"/>
-              <a:ext cx="1055097" cy="292388"/>
+              <a:off x="2988307" y="3661284"/>
+              <a:ext cx="1617751" cy="369332"/>
             </a:xfrm>
             <a:prstGeom prst="rect">
               <a:avLst/>
@@ -3635,17 +3679,17 @@
             <a:lstStyle/>
             <a:p>
               <a:r>
-                <a:rPr lang="en-US" sz="1300" dirty="0" smtClean="0">
-                  <a:latin typeface="Times New Roman" panose="02020603050405020304" pitchFamily="18" charset="0"/>
+                <a:rPr lang="en-US" b="1" dirty="0" smtClean="0">
+                  <a:latin typeface="Tahoma" panose="020B0604030504040204" pitchFamily="34" charset="0"/>
                   <a:ea typeface="Tahoma" panose="020B0604030504040204" pitchFamily="34" charset="0"/>
-                  <a:cs typeface="Times New Roman" panose="02020603050405020304" pitchFamily="18" charset="0"/>
+                  <a:cs typeface="Tahoma" panose="020B0604030504040204" pitchFamily="34" charset="0"/>
                 </a:rPr>
                 <a:t>Khoa, đơn vị</a:t>
               </a:r>
-              <a:endParaRPr lang="en-US" sz="1300" dirty="0">
-                <a:latin typeface="Times New Roman" panose="02020603050405020304" pitchFamily="18" charset="0"/>
+              <a:endParaRPr lang="en-US" b="1" dirty="0">
+                <a:latin typeface="Tahoma" panose="020B0604030504040204" pitchFamily="34" charset="0"/>
                 <a:ea typeface="Tahoma" panose="020B0604030504040204" pitchFamily="34" charset="0"/>
-                <a:cs typeface="Times New Roman" panose="02020603050405020304" pitchFamily="18" charset="0"/>
+                <a:cs typeface="Tahoma" panose="020B0604030504040204" pitchFamily="34" charset="0"/>
               </a:endParaRPr>
             </a:p>
           </p:txBody>
@@ -3659,8 +3703,8 @@
         </p:nvSpPr>
         <p:spPr>
           <a:xfrm>
-            <a:off x="5352727" y="1218178"/>
-            <a:ext cx="1282990" cy="503701"/>
+            <a:off x="3771805" y="1218178"/>
+            <a:ext cx="4334965" cy="503701"/>
           </a:xfrm>
           <a:prstGeom prst="ellipse">
             <a:avLst/>
@@ -3694,23 +3738,23 @@
           <a:p>
             <a:pPr algn="ctr"/>
             <a:r>
-              <a:rPr lang="en-US" sz="1300" dirty="0" smtClean="0">
+              <a:rPr lang="en-US" b="1" dirty="0" smtClean="0">
                 <a:solidFill>
                   <a:schemeClr val="tx1"/>
                 </a:solidFill>
-                <a:latin typeface="Times New Roman" panose="02020603050405020304" pitchFamily="18" charset="0"/>
+                <a:latin typeface="Tahoma" panose="020B0604030504040204" pitchFamily="34" charset="0"/>
                 <a:ea typeface="Tahoma" panose="020B0604030504040204" pitchFamily="34" charset="0"/>
-                <a:cs typeface="Times New Roman" panose="02020603050405020304" pitchFamily="18" charset="0"/>
+                <a:cs typeface="Tahoma" panose="020B0604030504040204" pitchFamily="34" charset="0"/>
               </a:rPr>
               <a:t>Quản lý đơn vị</a:t>
             </a:r>
-            <a:endParaRPr lang="en-US" sz="1300" dirty="0">
+            <a:endParaRPr lang="en-US" b="1" dirty="0">
               <a:solidFill>
                 <a:schemeClr val="tx1"/>
               </a:solidFill>
-              <a:latin typeface="Times New Roman" panose="02020603050405020304" pitchFamily="18" charset="0"/>
+              <a:latin typeface="Tahoma" panose="020B0604030504040204" pitchFamily="34" charset="0"/>
               <a:ea typeface="Tahoma" panose="020B0604030504040204" pitchFamily="34" charset="0"/>
-              <a:cs typeface="Times New Roman" panose="02020603050405020304" pitchFamily="18" charset="0"/>
+              <a:cs typeface="Tahoma" panose="020B0604030504040204" pitchFamily="34" charset="0"/>
             </a:endParaRPr>
           </a:p>
         </p:txBody>
@@ -3757,9 +3801,10 @@
           <a:lstStyle/>
           <a:p>
             <a:pPr algn="ctr"/>
-            <a:endParaRPr lang="en-AU" sz="1300">
-              <a:latin typeface="Times New Roman" panose="02020603050405020304" pitchFamily="18" charset="0"/>
-              <a:cs typeface="Times New Roman" panose="02020603050405020304" pitchFamily="18" charset="0"/>
+            <a:endParaRPr lang="en-AU" b="1">
+              <a:latin typeface="Tahoma" panose="020B0604030504040204" pitchFamily="34" charset="0"/>
+              <a:ea typeface="Tahoma" panose="020B0604030504040204" pitchFamily="34" charset="0"/>
+              <a:cs typeface="Tahoma" panose="020B0604030504040204" pitchFamily="34" charset="0"/>
             </a:endParaRPr>
           </a:p>
         </p:txBody>
@@ -3772,8 +3817,8 @@
         </p:nvSpPr>
         <p:spPr>
           <a:xfrm>
-            <a:off x="4124595" y="3131097"/>
-            <a:ext cx="3727484" cy="559084"/>
+            <a:off x="3771804" y="2900118"/>
+            <a:ext cx="4334965" cy="820344"/>
           </a:xfrm>
           <a:prstGeom prst="ellipse">
             <a:avLst/>
@@ -3807,13 +3852,13 @@
           <a:p>
             <a:pPr algn="ctr"/>
             <a:r>
-              <a:rPr lang="en-US" sz="1300" dirty="0" smtClean="0">
+              <a:rPr lang="en-US" b="1" dirty="0" smtClean="0">
                 <a:solidFill>
                   <a:schemeClr val="tx1"/>
                 </a:solidFill>
-                <a:latin typeface="Times New Roman" panose="02020603050405020304" pitchFamily="18" charset="0"/>
+                <a:latin typeface="Tahoma" panose="020B0604030504040204" pitchFamily="34" charset="0"/>
                 <a:ea typeface="Tahoma" panose="020B0604030504040204" pitchFamily="34" charset="0"/>
-                <a:cs typeface="Times New Roman" panose="02020603050405020304" pitchFamily="18" charset="0"/>
+                <a:cs typeface="Tahoma" panose="020B0604030504040204" pitchFamily="34" charset="0"/>
               </a:rPr>
               <a:t>Quản lý danh mục:</a:t>
             </a:r>
@@ -3821,23 +3866,23 @@
           <a:p>
             <a:pPr algn="ctr"/>
             <a:r>
-              <a:rPr lang="en-US" sz="1300" dirty="0" smtClean="0">
+              <a:rPr lang="en-US" b="1" dirty="0" smtClean="0">
                 <a:solidFill>
                   <a:schemeClr val="tx1"/>
                 </a:solidFill>
-                <a:latin typeface="Times New Roman" panose="02020603050405020304" pitchFamily="18" charset="0"/>
+                <a:latin typeface="Tahoma" panose="020B0604030504040204" pitchFamily="34" charset="0"/>
                 <a:ea typeface="Tahoma" panose="020B0604030504040204" pitchFamily="34" charset="0"/>
-                <a:cs typeface="Times New Roman" panose="02020603050405020304" pitchFamily="18" charset="0"/>
+                <a:cs typeface="Tahoma" panose="020B0604030504040204" pitchFamily="34" charset="0"/>
               </a:rPr>
               <a:t>loại tài sản, tình trạng, loại đơn vị,…</a:t>
             </a:r>
-            <a:endParaRPr lang="en-US" sz="1300" dirty="0">
+            <a:endParaRPr lang="en-US" b="1" dirty="0">
               <a:solidFill>
                 <a:schemeClr val="tx1"/>
               </a:solidFill>
-              <a:latin typeface="Times New Roman" panose="02020603050405020304" pitchFamily="18" charset="0"/>
+              <a:latin typeface="Tahoma" panose="020B0604030504040204" pitchFamily="34" charset="0"/>
               <a:ea typeface="Tahoma" panose="020B0604030504040204" pitchFamily="34" charset="0"/>
-              <a:cs typeface="Times New Roman" panose="02020603050405020304" pitchFamily="18" charset="0"/>
+              <a:cs typeface="Tahoma" panose="020B0604030504040204" pitchFamily="34" charset="0"/>
             </a:endParaRPr>
           </a:p>
         </p:txBody>
@@ -3853,8 +3898,8 @@
         </p:nvCxnSpPr>
         <p:spPr>
           <a:xfrm flipV="1">
-            <a:off x="2470196" y="844639"/>
-            <a:ext cx="2571650" cy="2577552"/>
+            <a:off x="2647619" y="814395"/>
+            <a:ext cx="1124186" cy="2607796"/>
           </a:xfrm>
           <a:prstGeom prst="straightConnector1">
             <a:avLst/>
@@ -3889,8 +3934,8 @@
         </p:nvCxnSpPr>
         <p:spPr>
           <a:xfrm flipV="1">
-            <a:off x="2470196" y="1470029"/>
-            <a:ext cx="2882531" cy="1952162"/>
+            <a:off x="2647619" y="1470029"/>
+            <a:ext cx="1124186" cy="1952162"/>
           </a:xfrm>
           <a:prstGeom prst="straightConnector1">
             <a:avLst/>
@@ -3925,8 +3970,8 @@
         </p:nvCxnSpPr>
         <p:spPr>
           <a:xfrm flipV="1">
-            <a:off x="2470196" y="2061069"/>
-            <a:ext cx="2898980" cy="1361122"/>
+            <a:off x="2647619" y="2020125"/>
+            <a:ext cx="1124186" cy="1402066"/>
           </a:xfrm>
           <a:prstGeom prst="straightConnector1">
             <a:avLst/>
@@ -3961,8 +4006,8 @@
         </p:nvCxnSpPr>
         <p:spPr>
           <a:xfrm flipV="1">
-            <a:off x="2470196" y="2697853"/>
-            <a:ext cx="2769394" cy="724338"/>
+            <a:off x="2647619" y="2580216"/>
+            <a:ext cx="1124186" cy="841975"/>
           </a:xfrm>
           <a:prstGeom prst="straightConnector1">
             <a:avLst/>
@@ -3997,8 +4042,8 @@
         </p:nvCxnSpPr>
         <p:spPr>
           <a:xfrm>
-            <a:off x="2470196" y="3422191"/>
-            <a:ext cx="2423462" cy="1195201"/>
+            <a:off x="2647619" y="3422191"/>
+            <a:ext cx="1124186" cy="1168326"/>
           </a:xfrm>
           <a:prstGeom prst="straightConnector1">
             <a:avLst/>
@@ -4033,8 +4078,8 @@
         </p:nvCxnSpPr>
         <p:spPr>
           <a:xfrm>
-            <a:off x="2470196" y="3422191"/>
-            <a:ext cx="2882531" cy="602278"/>
+            <a:off x="2647619" y="3422191"/>
+            <a:ext cx="1124186" cy="574982"/>
           </a:xfrm>
           <a:prstGeom prst="straightConnector1">
             <a:avLst/>
@@ -4069,8 +4114,8 @@
         </p:nvCxnSpPr>
         <p:spPr>
           <a:xfrm>
-            <a:off x="2470196" y="3422191"/>
-            <a:ext cx="2656258" cy="1803265"/>
+            <a:off x="2647619" y="3422191"/>
+            <a:ext cx="1124186" cy="1775969"/>
           </a:xfrm>
           <a:prstGeom prst="straightConnector1">
             <a:avLst/>
@@ -4105,8 +4150,8 @@
         </p:nvCxnSpPr>
         <p:spPr>
           <a:xfrm>
-            <a:off x="2470196" y="3422191"/>
-            <a:ext cx="2697085" cy="2364040"/>
+            <a:off x="2647619" y="3422191"/>
+            <a:ext cx="1124186" cy="2336744"/>
           </a:xfrm>
           <a:prstGeom prst="straightConnector1">
             <a:avLst/>
@@ -4140,9 +4185,9 @@
           <p:nvPr/>
         </p:nvCxnSpPr>
         <p:spPr>
-          <a:xfrm flipH="1">
-            <a:off x="7321982" y="4612552"/>
-            <a:ext cx="1664665" cy="4840"/>
+          <a:xfrm flipH="1" flipV="1">
+            <a:off x="8106769" y="4590517"/>
+            <a:ext cx="675162" cy="8387"/>
           </a:xfrm>
           <a:prstGeom prst="straightConnector1">
             <a:avLst/>
@@ -4177,8 +4222,8 @@
         </p:nvCxnSpPr>
         <p:spPr>
           <a:xfrm flipV="1">
-            <a:off x="2470196" y="3410639"/>
-            <a:ext cx="1654399" cy="11552"/>
+            <a:off x="2647619" y="3310290"/>
+            <a:ext cx="1124185" cy="111901"/>
           </a:xfrm>
           <a:prstGeom prst="straightConnector1">
             <a:avLst/>

--- a/_BaoCao/quocdunginfo/QLTS - Usecases ver 2.pptx
+++ b/_BaoCao/quocdunginfo/QLTS - Usecases ver 2.pptx
@@ -3012,7 +3012,7 @@
           <a:p>
             <a:pPr algn="ctr"/>
             <a:r>
-              <a:rPr lang="en-US" b="1" dirty="0" smtClean="0">
+              <a:rPr lang="en-US" dirty="0" smtClean="0">
                 <a:solidFill>
                   <a:schemeClr val="tx1"/>
                 </a:solidFill>
@@ -3022,7 +3022,7 @@
               </a:rPr>
               <a:t>Phân quyền</a:t>
             </a:r>
-            <a:endParaRPr lang="en-US" b="1" dirty="0">
+            <a:endParaRPr lang="en-US" dirty="0">
               <a:solidFill>
                 <a:schemeClr val="tx1"/>
               </a:solidFill>
@@ -3076,7 +3076,7 @@
           <a:p>
             <a:pPr algn="ctr"/>
             <a:r>
-              <a:rPr lang="en-US" b="1" dirty="0" smtClean="0">
+              <a:rPr lang="en-US" dirty="0" smtClean="0">
                 <a:solidFill>
                   <a:schemeClr val="tx1"/>
                 </a:solidFill>
@@ -3090,7 +3090,7 @@
           <a:p>
             <a:pPr algn="ctr"/>
             <a:r>
-              <a:rPr lang="en-US" b="1" dirty="0" smtClean="0">
+              <a:rPr lang="en-US" dirty="0" smtClean="0">
                 <a:solidFill>
                   <a:schemeClr val="tx1"/>
                 </a:solidFill>
@@ -3100,7 +3100,7 @@
               </a:rPr>
               <a:t>theo đơn vị trên Web</a:t>
             </a:r>
-            <a:endParaRPr lang="en-US" b="1" dirty="0">
+            <a:endParaRPr lang="en-US" dirty="0">
               <a:solidFill>
                 <a:schemeClr val="tx1"/>
               </a:solidFill>
@@ -3154,7 +3154,7 @@
           <a:p>
             <a:pPr algn="ctr"/>
             <a:r>
-              <a:rPr lang="en-US" b="1" dirty="0" smtClean="0">
+              <a:rPr lang="en-US" dirty="0" smtClean="0">
                 <a:solidFill>
                   <a:schemeClr val="tx1"/>
                 </a:solidFill>
@@ -3165,7 +3165,7 @@
               <a:t>Thống </a:t>
             </a:r>
             <a:r>
-              <a:rPr lang="en-US" b="1" dirty="0" smtClean="0">
+              <a:rPr lang="en-US" dirty="0" smtClean="0">
                 <a:solidFill>
                   <a:schemeClr val="tx1"/>
                 </a:solidFill>
@@ -3176,7 +3176,7 @@
               <a:t>kê, xuất </a:t>
             </a:r>
             <a:r>
-              <a:rPr lang="en-US" b="1" dirty="0" smtClean="0">
+              <a:rPr lang="en-US" dirty="0" smtClean="0">
                 <a:solidFill>
                   <a:schemeClr val="tx1"/>
                 </a:solidFill>
@@ -3186,7 +3186,7 @@
               </a:rPr>
               <a:t>báo cáo</a:t>
             </a:r>
-            <a:endParaRPr lang="en-US" b="1" dirty="0">
+            <a:endParaRPr lang="en-US" dirty="0">
               <a:solidFill>
                 <a:schemeClr val="tx1"/>
               </a:solidFill>
@@ -3240,7 +3240,7 @@
           <a:p>
             <a:pPr algn="ctr"/>
             <a:r>
-              <a:rPr lang="en-US" b="1" dirty="0" smtClean="0">
+              <a:rPr lang="en-US" dirty="0" smtClean="0">
                 <a:solidFill>
                   <a:schemeClr val="tx1"/>
                 </a:solidFill>
@@ -3251,7 +3251,7 @@
               <a:t>Cấu hình </a:t>
             </a:r>
             <a:r>
-              <a:rPr lang="en-US" b="1" dirty="0" smtClean="0">
+              <a:rPr lang="en-US" dirty="0" smtClean="0">
                 <a:solidFill>
                   <a:schemeClr val="tx1"/>
                 </a:solidFill>
@@ -3262,7 +3262,7 @@
               <a:t>hệ </a:t>
             </a:r>
             <a:r>
-              <a:rPr lang="en-US" b="1" dirty="0" smtClean="0">
+              <a:rPr lang="en-US" dirty="0" smtClean="0">
                 <a:solidFill>
                   <a:schemeClr val="tx1"/>
                 </a:solidFill>
@@ -3272,7 +3272,7 @@
               </a:rPr>
               <a:t>thống</a:t>
             </a:r>
-            <a:endParaRPr lang="en-US" b="1" dirty="0">
+            <a:endParaRPr lang="en-US" dirty="0">
               <a:solidFill>
                 <a:schemeClr val="tx1"/>
               </a:solidFill>
@@ -3326,7 +3326,7 @@
           <a:p>
             <a:pPr algn="ctr"/>
             <a:r>
-              <a:rPr lang="en-US" b="1" dirty="0" smtClean="0">
+              <a:rPr lang="en-US" dirty="0" smtClean="0">
                 <a:solidFill>
                   <a:schemeClr val="tx1"/>
                 </a:solidFill>
@@ -3336,7 +3336,7 @@
               </a:rPr>
               <a:t>Quản lý tài sản</a:t>
             </a:r>
-            <a:endParaRPr lang="en-US" b="1" dirty="0">
+            <a:endParaRPr lang="en-US" dirty="0">
               <a:solidFill>
                 <a:schemeClr val="tx1"/>
               </a:solidFill>
@@ -3390,7 +3390,7 @@
           <a:p>
             <a:pPr algn="ctr"/>
             <a:r>
-              <a:rPr lang="en-US" b="1" dirty="0" smtClean="0">
+              <a:rPr lang="en-US" dirty="0" smtClean="0">
                 <a:solidFill>
                   <a:schemeClr val="tx1"/>
                 </a:solidFill>
@@ -3401,7 +3401,7 @@
               <a:t>Quản lý cơ sở, dãy, </a:t>
             </a:r>
             <a:r>
-              <a:rPr lang="en-US" b="1" dirty="0" smtClean="0">
+              <a:rPr lang="en-US" dirty="0" smtClean="0">
                 <a:solidFill>
                   <a:schemeClr val="tx1"/>
                 </a:solidFill>
@@ -3411,7 +3411,7 @@
               </a:rPr>
               <a:t>tầng, phòng </a:t>
             </a:r>
-            <a:endParaRPr lang="en-US" b="1" dirty="0">
+            <a:endParaRPr lang="en-US" dirty="0">
               <a:solidFill>
                 <a:schemeClr val="tx1"/>
               </a:solidFill>
@@ -3465,7 +3465,7 @@
           <a:p>
             <a:pPr algn="ctr"/>
             <a:r>
-              <a:rPr lang="en-US" b="1" dirty="0" smtClean="0">
+              <a:rPr lang="en-US" dirty="0" smtClean="0">
                 <a:solidFill>
                   <a:schemeClr val="tx1"/>
                 </a:solidFill>
@@ -3475,7 +3475,7 @@
               </a:rPr>
               <a:t>Quản lý chứng từ</a:t>
             </a:r>
-            <a:endParaRPr lang="en-US" b="1" dirty="0">
+            <a:endParaRPr lang="en-US" dirty="0">
               <a:solidFill>
                 <a:schemeClr val="tx1"/>
               </a:solidFill>
@@ -3494,10 +3494,10 @@
         </p:nvGrpSpPr>
         <p:grpSpPr>
           <a:xfrm>
-            <a:off x="1789885" y="3000998"/>
-            <a:ext cx="1194558" cy="1307715"/>
-            <a:chOff x="1617366" y="3000998"/>
-            <a:chExt cx="1194558" cy="1307715"/>
+            <a:off x="1845188" y="3000998"/>
+            <a:ext cx="1083951" cy="1307715"/>
+            <a:chOff x="1672669" y="3000998"/>
+            <a:chExt cx="1083951" cy="1307715"/>
           </a:xfrm>
         </p:grpSpPr>
         <p:pic>
@@ -3549,8 +3549,8 @@
           </p:nvSpPr>
           <p:spPr>
             <a:xfrm>
-              <a:off x="1617366" y="3662382"/>
-              <a:ext cx="1194558" cy="646331"/>
+              <a:off x="1672669" y="3662382"/>
+              <a:ext cx="1083951" cy="646331"/>
             </a:xfrm>
             <a:prstGeom prst="rect">
               <a:avLst/>
@@ -3567,14 +3567,14 @@
             <a:p>
               <a:pPr algn="ctr"/>
               <a:r>
-                <a:rPr lang="en-US" b="1" dirty="0" smtClean="0">
+                <a:rPr lang="en-US" dirty="0" smtClean="0">
                   <a:latin typeface="Tahoma" panose="020B0604030504040204" pitchFamily="34" charset="0"/>
                   <a:ea typeface="Tahoma" panose="020B0604030504040204" pitchFamily="34" charset="0"/>
                   <a:cs typeface="Tahoma" panose="020B0604030504040204" pitchFamily="34" charset="0"/>
                 </a:rPr>
                 <a:t>Quản trị </a:t>
               </a:r>
-              <a:endParaRPr lang="en-US" b="1" dirty="0" smtClean="0">
+              <a:endParaRPr lang="en-US" dirty="0" smtClean="0">
                 <a:latin typeface="Tahoma" panose="020B0604030504040204" pitchFamily="34" charset="0"/>
                 <a:ea typeface="Tahoma" panose="020B0604030504040204" pitchFamily="34" charset="0"/>
                 <a:cs typeface="Tahoma" panose="020B0604030504040204" pitchFamily="34" charset="0"/>
@@ -3583,14 +3583,14 @@
             <a:p>
               <a:pPr algn="ctr"/>
               <a:r>
-                <a:rPr lang="en-US" b="1" dirty="0" smtClean="0">
+                <a:rPr lang="en-US" dirty="0" smtClean="0">
                   <a:latin typeface="Tahoma" panose="020B0604030504040204" pitchFamily="34" charset="0"/>
                   <a:ea typeface="Tahoma" panose="020B0604030504040204" pitchFamily="34" charset="0"/>
                   <a:cs typeface="Tahoma" panose="020B0604030504040204" pitchFamily="34" charset="0"/>
                 </a:rPr>
                 <a:t>viên</a:t>
               </a:r>
-              <a:endParaRPr lang="en-US" b="1" dirty="0">
+              <a:endParaRPr lang="en-US" dirty="0">
                 <a:latin typeface="Tahoma" panose="020B0604030504040204" pitchFamily="34" charset="0"/>
                 <a:ea typeface="Tahoma" panose="020B0604030504040204" pitchFamily="34" charset="0"/>
                 <a:cs typeface="Tahoma" panose="020B0604030504040204" pitchFamily="34" charset="0"/>
@@ -3608,9 +3608,9 @@
         <p:grpSpPr>
           <a:xfrm>
             <a:off x="8232966" y="4177711"/>
-            <a:ext cx="1617751" cy="1010611"/>
+            <a:ext cx="1470274" cy="1010611"/>
             <a:chOff x="2988307" y="3020005"/>
-            <a:chExt cx="1617751" cy="1010611"/>
+            <a:chExt cx="1470274" cy="1010611"/>
           </a:xfrm>
         </p:grpSpPr>
         <p:pic>
@@ -3663,7 +3663,7 @@
           <p:spPr>
             <a:xfrm>
               <a:off x="2988307" y="3661284"/>
-              <a:ext cx="1617751" cy="369332"/>
+              <a:ext cx="1470274" cy="369332"/>
             </a:xfrm>
             <a:prstGeom prst="rect">
               <a:avLst/>
@@ -3679,14 +3679,14 @@
             <a:lstStyle/>
             <a:p>
               <a:r>
-                <a:rPr lang="en-US" b="1" dirty="0" smtClean="0">
+                <a:rPr lang="en-US" dirty="0" smtClean="0">
                   <a:latin typeface="Tahoma" panose="020B0604030504040204" pitchFamily="34" charset="0"/>
                   <a:ea typeface="Tahoma" panose="020B0604030504040204" pitchFamily="34" charset="0"/>
                   <a:cs typeface="Tahoma" panose="020B0604030504040204" pitchFamily="34" charset="0"/>
                 </a:rPr>
                 <a:t>Khoa, đơn vị</a:t>
               </a:r>
-              <a:endParaRPr lang="en-US" b="1" dirty="0">
+              <a:endParaRPr lang="en-US" dirty="0">
                 <a:latin typeface="Tahoma" panose="020B0604030504040204" pitchFamily="34" charset="0"/>
                 <a:ea typeface="Tahoma" panose="020B0604030504040204" pitchFamily="34" charset="0"/>
                 <a:cs typeface="Tahoma" panose="020B0604030504040204" pitchFamily="34" charset="0"/>
@@ -3738,7 +3738,7 @@
           <a:p>
             <a:pPr algn="ctr"/>
             <a:r>
-              <a:rPr lang="en-US" b="1" dirty="0" smtClean="0">
+              <a:rPr lang="en-US" dirty="0" smtClean="0">
                 <a:solidFill>
                   <a:schemeClr val="tx1"/>
                 </a:solidFill>
@@ -3748,7 +3748,7 @@
               </a:rPr>
               <a:t>Quản lý đơn vị</a:t>
             </a:r>
-            <a:endParaRPr lang="en-US" b="1" dirty="0">
+            <a:endParaRPr lang="en-US" dirty="0">
               <a:solidFill>
                 <a:schemeClr val="tx1"/>
               </a:solidFill>
@@ -3801,7 +3801,7 @@
           <a:lstStyle/>
           <a:p>
             <a:pPr algn="ctr"/>
-            <a:endParaRPr lang="en-AU" b="1">
+            <a:endParaRPr lang="en-AU">
               <a:latin typeface="Tahoma" panose="020B0604030504040204" pitchFamily="34" charset="0"/>
               <a:ea typeface="Tahoma" panose="020B0604030504040204" pitchFamily="34" charset="0"/>
               <a:cs typeface="Tahoma" panose="020B0604030504040204" pitchFamily="34" charset="0"/>
@@ -3852,7 +3852,7 @@
           <a:p>
             <a:pPr algn="ctr"/>
             <a:r>
-              <a:rPr lang="en-US" b="1" dirty="0" smtClean="0">
+              <a:rPr lang="en-US" dirty="0" smtClean="0">
                 <a:solidFill>
                   <a:schemeClr val="tx1"/>
                 </a:solidFill>
@@ -3866,7 +3866,7 @@
           <a:p>
             <a:pPr algn="ctr"/>
             <a:r>
-              <a:rPr lang="en-US" b="1" dirty="0" smtClean="0">
+              <a:rPr lang="en-US" dirty="0" smtClean="0">
                 <a:solidFill>
                   <a:schemeClr val="tx1"/>
                 </a:solidFill>
@@ -3876,7 +3876,7 @@
               </a:rPr>
               <a:t>loại tài sản, tình trạng, loại đơn vị,…</a:t>
             </a:r>
-            <a:endParaRPr lang="en-US" b="1" dirty="0">
+            <a:endParaRPr lang="en-US" dirty="0">
               <a:solidFill>
                 <a:schemeClr val="tx1"/>
               </a:solidFill>
